--- a/Sessions/5/gip5.pptx
+++ b/Sessions/5/gip5.pptx
@@ -4819,7 +4819,7 @@
               <a:pPr>
                 <a:defRPr/>
               </a:pPr>
-              <a:t>9/16/2014</a:t>
+              <a:t>8/25/2015</a:t>
             </a:fld>
             <a:endParaRPr lang="en-US"/>
           </a:p>
@@ -5020,7 +5020,7 @@
               <a:pPr>
                 <a:defRPr/>
               </a:pPr>
-              <a:t>9/16/2014</a:t>
+              <a:t>8/25/2015</a:t>
             </a:fld>
             <a:endParaRPr lang="en-US"/>
           </a:p>
@@ -5231,7 +5231,7 @@
               <a:pPr>
                 <a:defRPr/>
               </a:pPr>
-              <a:t>9/16/2014</a:t>
+              <a:t>8/25/2015</a:t>
             </a:fld>
             <a:endParaRPr lang="en-US"/>
           </a:p>
@@ -5410,7 +5410,7 @@
               <a:pPr>
                 <a:defRPr/>
               </a:pPr>
-              <a:t>9/16/2014</a:t>
+              <a:t>8/25/2015</a:t>
             </a:fld>
             <a:endParaRPr lang="en-US"/>
           </a:p>
@@ -5676,7 +5676,7 @@
               <a:pPr>
                 <a:defRPr/>
               </a:pPr>
-              <a:t>9/16/2014</a:t>
+              <a:t>8/25/2015</a:t>
             </a:fld>
             <a:endParaRPr lang="en-US"/>
           </a:p>
@@ -5896,7 +5896,7 @@
               <a:pPr>
                 <a:defRPr/>
               </a:pPr>
-              <a:t>9/16/2014</a:t>
+              <a:t>8/25/2015</a:t>
             </a:fld>
             <a:endParaRPr lang="en-US"/>
           </a:p>
@@ -6097,7 +6097,7 @@
               <a:pPr>
                 <a:defRPr/>
               </a:pPr>
-              <a:t>9/16/2014</a:t>
+              <a:t>8/25/2015</a:t>
             </a:fld>
             <a:endParaRPr lang="en-US"/>
           </a:p>
@@ -6320,7 +6320,7 @@
               <a:pPr>
                 <a:defRPr/>
               </a:pPr>
-              <a:t>9/16/2014</a:t>
+              <a:t>8/25/2015</a:t>
             </a:fld>
             <a:endParaRPr lang="en-US"/>
           </a:p>
@@ -6639,7 +6639,7 @@
               <a:pPr>
                 <a:defRPr/>
               </a:pPr>
-              <a:t>9/16/2014</a:t>
+              <a:t>8/25/2015</a:t>
             </a:fld>
             <a:endParaRPr lang="en-US"/>
           </a:p>
@@ -7092,7 +7092,7 @@
               <a:pPr>
                 <a:defRPr/>
               </a:pPr>
-              <a:t>9/16/2014</a:t>
+              <a:t>8/25/2015</a:t>
             </a:fld>
             <a:endParaRPr lang="en-US"/>
           </a:p>
@@ -7241,7 +7241,7 @@
               <a:pPr>
                 <a:defRPr/>
               </a:pPr>
-              <a:t>9/16/2014</a:t>
+              <a:t>8/25/2015</a:t>
             </a:fld>
             <a:endParaRPr lang="en-US"/>
           </a:p>
@@ -7442,7 +7442,7 @@
               <a:pPr>
                 <a:defRPr/>
               </a:pPr>
-              <a:t>9/16/2014</a:t>
+              <a:t>8/25/2015</a:t>
             </a:fld>
             <a:endParaRPr lang="en-US"/>
           </a:p>
@@ -7568,7 +7568,7 @@
               <a:pPr>
                 <a:defRPr/>
               </a:pPr>
-              <a:t>9/16/2014</a:t>
+              <a:t>8/25/2015</a:t>
             </a:fld>
             <a:endParaRPr lang="en-US"/>
           </a:p>
@@ -7876,7 +7876,7 @@
               <a:pPr>
                 <a:defRPr/>
               </a:pPr>
-              <a:t>9/16/2014</a:t>
+              <a:t>8/25/2015</a:t>
             </a:fld>
             <a:endParaRPr lang="en-US"/>
           </a:p>
@@ -8161,7 +8161,7 @@
               <a:pPr>
                 <a:defRPr/>
               </a:pPr>
-              <a:t>9/16/2014</a:t>
+              <a:t>8/25/2015</a:t>
             </a:fld>
             <a:endParaRPr lang="en-US"/>
           </a:p>
@@ -8362,7 +8362,7 @@
               <a:pPr>
                 <a:defRPr/>
               </a:pPr>
-              <a:t>9/16/2014</a:t>
+              <a:t>8/25/2015</a:t>
             </a:fld>
             <a:endParaRPr lang="en-US"/>
           </a:p>
@@ -8573,7 +8573,7 @@
               <a:pPr>
                 <a:defRPr/>
               </a:pPr>
-              <a:t>9/16/2014</a:t>
+              <a:t>8/25/2015</a:t>
             </a:fld>
             <a:endParaRPr lang="en-US"/>
           </a:p>
@@ -8796,7 +8796,7 @@
               <a:pPr>
                 <a:defRPr/>
               </a:pPr>
-              <a:t>9/16/2014</a:t>
+              <a:t>8/25/2015</a:t>
             </a:fld>
             <a:endParaRPr lang="en-US"/>
           </a:p>
@@ -9115,7 +9115,7 @@
               <a:pPr>
                 <a:defRPr/>
               </a:pPr>
-              <a:t>9/16/2014</a:t>
+              <a:t>8/25/2015</a:t>
             </a:fld>
             <a:endParaRPr lang="en-US"/>
           </a:p>
@@ -9568,7 +9568,7 @@
               <a:pPr>
                 <a:defRPr/>
               </a:pPr>
-              <a:t>9/16/2014</a:t>
+              <a:t>8/25/2015</a:t>
             </a:fld>
             <a:endParaRPr lang="en-US"/>
           </a:p>
@@ -9717,7 +9717,7 @@
               <a:pPr>
                 <a:defRPr/>
               </a:pPr>
-              <a:t>9/16/2014</a:t>
+              <a:t>8/25/2015</a:t>
             </a:fld>
             <a:endParaRPr lang="en-US"/>
           </a:p>
@@ -9843,7 +9843,7 @@
               <a:pPr>
                 <a:defRPr/>
               </a:pPr>
-              <a:t>9/16/2014</a:t>
+              <a:t>8/25/2015</a:t>
             </a:fld>
             <a:endParaRPr lang="en-US"/>
           </a:p>
@@ -10151,7 +10151,7 @@
               <a:pPr>
                 <a:defRPr/>
               </a:pPr>
-              <a:t>9/16/2014</a:t>
+              <a:t>8/25/2015</a:t>
             </a:fld>
             <a:endParaRPr lang="en-US"/>
           </a:p>
@@ -10436,7 +10436,7 @@
               <a:pPr>
                 <a:defRPr/>
               </a:pPr>
-              <a:t>9/16/2014</a:t>
+              <a:t>8/25/2015</a:t>
             </a:fld>
             <a:endParaRPr lang="en-US"/>
           </a:p>
@@ -10706,7 +10706,7 @@
               <a:pPr>
                 <a:defRPr/>
               </a:pPr>
-              <a:t>9/16/2014</a:t>
+              <a:t>8/25/2015</a:t>
             </a:fld>
             <a:endParaRPr lang="en-US"/>
           </a:p>
@@ -11417,7 +11417,7 @@
               <a:pPr>
                 <a:defRPr/>
               </a:pPr>
-              <a:t>9/16/2014</a:t>
+              <a:t>8/25/2015</a:t>
             </a:fld>
             <a:endParaRPr lang="en-US"/>
           </a:p>
@@ -12887,16 +12887,7 @@
                 </a:solidFill>
                 <a:latin typeface="Times New Roman" pitchFamily="18" charset="0"/>
               </a:rPr>
-              <a:t> Guest </a:t>
-            </a:r>
-            <a:r>
-              <a:rPr lang="en-US" sz="3200" dirty="0">
-                <a:solidFill>
-                  <a:srgbClr val="003399"/>
-                </a:solidFill>
-                <a:latin typeface="Times New Roman" pitchFamily="18" charset="0"/>
-              </a:rPr>
-              <a:t>lecture: </a:t>
+              <a:t> </a:t>
             </a:r>
             <a:r>
               <a:rPr lang="en-US" sz="3200" dirty="0" err="1" smtClean="0">
@@ -23943,28 +23934,19 @@
                 </a:solidFill>
                 <a:latin typeface="Times New Roman" pitchFamily="18" charset="0"/>
               </a:rPr>
-              <a:t> Guest </a:t>
-            </a:r>
-            <a:r>
-              <a:rPr lang="en-US" sz="3200" dirty="0">
+              <a:t> </a:t>
+            </a:r>
+            <a:r>
+              <a:rPr lang="en-US" sz="3200" dirty="0" err="1" smtClean="0">
                 <a:solidFill>
                   <a:srgbClr val="003399"/>
                 </a:solidFill>
                 <a:latin typeface="Times New Roman" pitchFamily="18" charset="0"/>
               </a:rPr>
-              <a:t>lecture: </a:t>
-            </a:r>
-            <a:r>
-              <a:rPr lang="en-US" sz="3200" dirty="0" err="1">
-                <a:solidFill>
-                  <a:srgbClr val="003399"/>
-                </a:solidFill>
-                <a:latin typeface="Times New Roman" pitchFamily="18" charset="0"/>
-              </a:rPr>
               <a:t>Ofer</a:t>
             </a:r>
             <a:r>
-              <a:rPr lang="en-US" sz="3200" dirty="0">
+              <a:rPr lang="en-US" sz="3200" dirty="0" smtClean="0">
                 <a:solidFill>
                   <a:srgbClr val="003399"/>
                 </a:solidFill>
@@ -36124,16 +36106,16 @@
               <a:buChar char="•"/>
             </a:pPr>
             <a:r>
-              <a:rPr lang="en-US" sz="3200" dirty="0">
+              <a:rPr lang="en-US" sz="3200">
                 <a:solidFill>
                   <a:srgbClr val="003399"/>
                 </a:solidFill>
                 <a:latin typeface="Times New Roman" pitchFamily="18" charset="0"/>
               </a:rPr>
-              <a:t> Guest lecture: </a:t>
-            </a:r>
-            <a:r>
-              <a:rPr lang="en-US" sz="3200" dirty="0" err="1">
+              <a:t> </a:t>
+            </a:r>
+            <a:r>
+              <a:rPr lang="en-US" sz="3200" smtClean="0">
                 <a:solidFill>
                   <a:srgbClr val="003399"/>
                 </a:solidFill>
@@ -36142,7 +36124,7 @@
               <a:t>Ofer</a:t>
             </a:r>
             <a:r>
-              <a:rPr lang="en-US" sz="3200" dirty="0">
+              <a:rPr lang="en-US" sz="3200" dirty="0" smtClean="0">
                 <a:solidFill>
                   <a:srgbClr val="003399"/>
                 </a:solidFill>

--- a/Sessions/5/gip5.pptx
+++ b/Sessions/5/gip5.pptx
@@ -14378,34 +14378,12 @@
           </a:p>
           <a:p>
             <a:r>
-              <a:rPr lang="en-US" dirty="0" smtClean="0">
-                <a:hlinkClick r:id="rId2" tooltip="Jewish"/>
-              </a:rPr>
-              <a:t>Jewish</a:t>
-            </a:r>
-            <a:r>
               <a:rPr lang="en-US" dirty="0" smtClean="0"/>
-              <a:t>-born </a:t>
-            </a:r>
-            <a:r>
-              <a:rPr lang="en-US" dirty="0">
-                <a:hlinkClick r:id="rId3" tooltip="Hungary"/>
-              </a:rPr>
-              <a:t>Hungarian</a:t>
+              <a:t>Jewish-born </a:t>
             </a:r>
             <a:r>
               <a:rPr lang="en-US" dirty="0"/>
-              <a:t> and later </a:t>
-            </a:r>
-            <a:r>
-              <a:rPr lang="en-US" dirty="0">
-                <a:hlinkClick r:id="rId4" tooltip="Americans"/>
-              </a:rPr>
-              <a:t>American</a:t>
-            </a:r>
-            <a:r>
-              <a:rPr lang="en-US" dirty="0"/>
-              <a:t> </a:t>
+              <a:t>Hungarian and later American </a:t>
             </a:r>
             <a:endParaRPr lang="en-US" dirty="0" smtClean="0"/>
           </a:p>
@@ -14416,108 +14394,21 @@
             </a:r>
             <a:r>
               <a:rPr lang="en-US" dirty="0"/>
-              <a:t>and applied </a:t>
-            </a:r>
-            <a:r>
-              <a:rPr lang="en-US" dirty="0">
-                <a:hlinkClick r:id="rId5" tooltip="Mathematician"/>
-              </a:rPr>
-              <a:t>mathematician</a:t>
+              <a:t>and applied mathematician, physicist, inventor, polymath, and </a:t>
+            </a:r>
+            <a:r>
+              <a:rPr lang="en-US" dirty="0" smtClean="0"/>
+              <a:t>polyglot</a:t>
+            </a:r>
+          </a:p>
+          <a:p>
+            <a:r>
+              <a:rPr lang="en-US" dirty="0" smtClean="0"/>
+              <a:t>Von </a:t>
             </a:r>
             <a:r>
               <a:rPr lang="en-US" dirty="0"/>
-              <a:t>, </a:t>
-            </a:r>
-            <a:r>
-              <a:rPr lang="en-US" dirty="0">
-                <a:hlinkClick r:id="rId6" tooltip="Physicist"/>
-              </a:rPr>
-              <a:t>physicist</a:t>
-            </a:r>
-            <a:r>
-              <a:rPr lang="en-US" dirty="0"/>
-              <a:t>, </a:t>
-            </a:r>
-            <a:r>
-              <a:rPr lang="en-US" dirty="0">
-                <a:hlinkClick r:id="rId7" tooltip="Inventor"/>
-              </a:rPr>
-              <a:t>inventor</a:t>
-            </a:r>
-            <a:r>
-              <a:rPr lang="en-US" dirty="0"/>
-              <a:t>, </a:t>
-            </a:r>
-            <a:r>
-              <a:rPr lang="en-US" dirty="0">
-                <a:hlinkClick r:id="rId8" tooltip="Polymath"/>
-              </a:rPr>
-              <a:t>polymath</a:t>
-            </a:r>
-            <a:r>
-              <a:rPr lang="en-US" dirty="0"/>
-              <a:t>, and </a:t>
-            </a:r>
-            <a:r>
-              <a:rPr lang="en-US" dirty="0" smtClean="0">
-                <a:hlinkClick r:id="rId9" tooltip="Polyglot"/>
-              </a:rPr>
-              <a:t>polyglot</a:t>
-            </a:r>
-            <a:endParaRPr lang="en-US" dirty="0" smtClean="0"/>
-          </a:p>
-          <a:p>
-            <a:r>
-              <a:rPr lang="en-US" dirty="0" smtClean="0">
-                <a:hlinkClick r:id="rId10" tooltip="Von Neumann architecture"/>
-              </a:rPr>
-              <a:t>Von </a:t>
-            </a:r>
-            <a:r>
-              <a:rPr lang="en-US" dirty="0">
-                <a:hlinkClick r:id="rId10" tooltip="Von Neumann architecture"/>
-              </a:rPr>
-              <a:t>Neumann architecture</a:t>
-            </a:r>
-            <a:r>
-              <a:rPr lang="en-US" dirty="0"/>
-              <a:t>, </a:t>
-            </a:r>
-            <a:r>
-              <a:rPr lang="en-US" dirty="0">
-                <a:hlinkClick r:id="rId11" tooltip="Linear programming"/>
-              </a:rPr>
-              <a:t>linear programming</a:t>
-            </a:r>
-            <a:r>
-              <a:rPr lang="en-US" dirty="0"/>
-              <a:t>, </a:t>
-            </a:r>
-            <a:r>
-              <a:rPr lang="en-US" dirty="0">
-                <a:hlinkClick r:id="rId12" tooltip="Von Neumann universal constructor"/>
-              </a:rPr>
-              <a:t>self-replicating machines</a:t>
-            </a:r>
-            <a:r>
-              <a:rPr lang="en-US" dirty="0"/>
-              <a:t>, </a:t>
-            </a:r>
-            <a:r>
-              <a:rPr lang="en-US" dirty="0">
-                <a:hlinkClick r:id="rId13" tooltip="Stochastic computing"/>
-              </a:rPr>
-              <a:t>stochastic computing</a:t>
-            </a:r>
-            <a:r>
-              <a:rPr lang="en-US" dirty="0"/>
-              <a:t>), and </a:t>
-            </a:r>
-            <a:r>
-              <a:rPr lang="en-US" dirty="0">
-                <a:hlinkClick r:id="rId14" tooltip="Statistics"/>
-              </a:rPr>
-              <a:t>statistics</a:t>
+              <a:t>Neumann architecture, linear programming, self-replicating machines, stochastic computing), and statistics</a:t>
             </a:r>
             <a:r>
               <a:rPr lang="en-US" dirty="0" smtClean="0"/>
@@ -14535,37 +14426,11 @@
             </a:r>
             <a:r>
               <a:rPr lang="en-US" dirty="0"/>
-              <a:t>principal member of the </a:t>
-            </a:r>
-            <a:r>
-              <a:rPr lang="en-US" dirty="0">
-                <a:hlinkClick r:id="rId15" tooltip="Manhattan Project"/>
-              </a:rPr>
-              <a:t>Manhattan Project</a:t>
-            </a:r>
-            <a:r>
-              <a:rPr lang="en-US" dirty="0"/>
-              <a:t> and the </a:t>
-            </a:r>
-            <a:r>
-              <a:rPr lang="en-US" dirty="0">
-                <a:hlinkClick r:id="rId16" tooltip="Institute for Advanced Study"/>
-              </a:rPr>
-              <a:t>Institute for Advanced Study</a:t>
-            </a:r>
-            <a:r>
-              <a:rPr lang="en-US" dirty="0"/>
-              <a:t> in </a:t>
-            </a:r>
-            <a:r>
-              <a:rPr lang="en-US" dirty="0" smtClean="0">
-                <a:hlinkClick r:id="rId17" tooltip="Princeton, New Jersey"/>
-              </a:rPr>
-              <a:t>Princeton</a:t>
+              <a:t>principal member of the Manhattan Project and the Institute for Advanced Study in </a:t>
             </a:r>
             <a:r>
               <a:rPr lang="en-US" dirty="0" smtClean="0"/>
-              <a:t>.</a:t>
+              <a:t>Princeton.</a:t>
             </a:r>
             <a:endParaRPr lang="he-IL" dirty="0"/>
           </a:p>
@@ -14609,7 +14474,7 @@
           <p:nvPr/>
         </p:nvPicPr>
         <p:blipFill>
-          <a:blip r:embed="rId18">
+          <a:blip r:embed="rId2">
             <a:extLst>
               <a:ext uri="{28A0092B-C50C-407E-A947-70E740481C1C}">
                 <a14:useLocalDpi xmlns:a14="http://schemas.microsoft.com/office/drawing/2010/main" val="0"/>
